--- a/Price-Point-Overview.pptx
+++ b/Price-Point-Overview.pptx
@@ -105,7 +105,41 @@
       </a:defRPr>
     </a:lvl9pPr>
   </p:defaultTextStyle>
+  <p:extLst>
+    <p:ext uri="{EFAFB233-063F-42B5-8137-9DF3F51BA10A}">
+      <p15:sldGuideLst xmlns:p15="http://schemas.microsoft.com/office/powerpoint/2012/main"/>
+    </p:ext>
+  </p:extLst>
 </p:presentation>
+</file>
+
+<file path=ppt/changesInfos/changesInfo1.xml><?xml version="1.0" encoding="utf-8"?>
+<pc:chgInfo xmlns:a="http://schemas.openxmlformats.org/drawingml/2006/main" xmlns:r="http://schemas.openxmlformats.org/officeDocument/2006/relationships" xmlns:ac="http://schemas.microsoft.com/office/drawing/2013/main/command" xmlns:pc="http://schemas.microsoft.com/office/powerpoint/2013/main/command">
+  <pc:docChgLst>
+    <pc:chgData name="Irvin Hobba" userId="4fa82444e29560b4" providerId="LiveId" clId="{D1F10A1B-D134-4440-96FA-3A6B1DDBA2F4}"/>
+    <pc:docChg chg="modSld">
+      <pc:chgData name="Irvin Hobba" userId="4fa82444e29560b4" providerId="LiveId" clId="{D1F10A1B-D134-4440-96FA-3A6B1DDBA2F4}" dt="2020-04-20T00:00:58.574" v="0" actId="20577"/>
+      <pc:docMkLst>
+        <pc:docMk/>
+      </pc:docMkLst>
+      <pc:sldChg chg="modSp">
+        <pc:chgData name="Irvin Hobba" userId="4fa82444e29560b4" providerId="LiveId" clId="{D1F10A1B-D134-4440-96FA-3A6B1DDBA2F4}" dt="2020-04-20T00:00:58.574" v="0" actId="20577"/>
+        <pc:sldMkLst>
+          <pc:docMk/>
+          <pc:sldMk cId="1428187653" sldId="256"/>
+        </pc:sldMkLst>
+        <pc:spChg chg="mod">
+          <ac:chgData name="Irvin Hobba" userId="4fa82444e29560b4" providerId="LiveId" clId="{D1F10A1B-D134-4440-96FA-3A6B1DDBA2F4}" dt="2020-04-20T00:00:58.574" v="0" actId="20577"/>
+          <ac:spMkLst>
+            <pc:docMk/>
+            <pc:sldMk cId="1428187653" sldId="256"/>
+            <ac:spMk id="4" creationId="{44239C3B-7C2E-4EE1-A8EE-73FBF1F3B576}"/>
+          </ac:spMkLst>
+        </pc:spChg>
+      </pc:sldChg>
+    </pc:docChg>
+  </pc:docChgLst>
+</pc:chgInfo>
 </file>
 
 <file path=ppt/slideLayouts/slideLayout1.xml><?xml version="1.0" encoding="utf-8"?>
@@ -3356,13 +3390,8 @@
             </a:pPr>
             <a:r>
               <a:rPr lang="en-US" dirty="0"/>
-              <a:t>120,916 wines in </a:t>
-            </a:r>
-            <a:r>
-              <a:rPr lang="en-US" dirty="0" err="1"/>
-              <a:t>analyss</a:t>
-            </a:r>
-            <a:endParaRPr lang="en-US" dirty="0"/>
+              <a:t>120,916 wines in analysis</a:t>
+            </a:r>
           </a:p>
           <a:p>
             <a:pPr marL="285750" indent="-285750">
